--- a/ppt 16-9/0792.雅歌.pptx
+++ b/ppt 16-9/0792.雅歌.pptx
@@ -190,7 +190,7 @@
             </a:lvl1pPr>
           </a:lstStyle>
           <a:p>
-            <a:fld id="{6FE77FD4-BE20-4E39-B35F-6097ACF2E7D0}" type="datetimeFigureOut">
+            <a:fld id="{22685049-C698-4EE7-B8B3-BDC4928BF1F6}" type="datetimeFigureOut">
               <a:rPr lang="zh-CN" altLang="en-US" smtClean="0"/>
               <a:t>2024/3/10</a:t>
             </a:fld>
@@ -348,7 +348,7 @@
             </a:lvl1pPr>
           </a:lstStyle>
           <a:p>
-            <a:fld id="{5EF740D3-77D8-4010-8337-740837D7FFC9}" type="slidenum">
+            <a:fld id="{5AE764C0-FE6C-4176-88D6-198C96B8EABE}" type="slidenum">
               <a:rPr lang="zh-CN" altLang="en-US" smtClean="0"/>
               <a:t>‹#›</a:t>
             </a:fld>
@@ -359,7 +359,7 @@
     </p:spTree>
     <p:extLst>
       <p:ext uri="{BB962C8B-B14F-4D97-AF65-F5344CB8AC3E}">
-        <p14:creationId xmlns:p14="http://schemas.microsoft.com/office/powerpoint/2010/main" val="1247613638"/>
+        <p14:creationId xmlns:p14="http://schemas.microsoft.com/office/powerpoint/2010/main" val="3096457685"/>
       </p:ext>
     </p:extLst>
   </p:cSld>
@@ -565,7 +565,7 @@
           <p:cNvPr id="2" name="标题 1">
             <a:extLst>
               <a:ext uri="{FF2B5EF4-FFF2-40B4-BE49-F238E27FC236}">
-                <a16:creationId xmlns:a16="http://schemas.microsoft.com/office/drawing/2014/main" id="{8A81245D-7229-6005-ABDA-62F916D2B1E7}"/>
+                <a16:creationId xmlns:a16="http://schemas.microsoft.com/office/drawing/2014/main" id="{C9413444-7ABC-0359-008F-CAA3D0EA9F56}"/>
               </a:ext>
             </a:extLst>
           </p:cNvPr>
@@ -602,7 +602,7 @@
           <p:cNvPr id="3" name="副标题 2">
             <a:extLst>
               <a:ext uri="{FF2B5EF4-FFF2-40B4-BE49-F238E27FC236}">
-                <a16:creationId xmlns:a16="http://schemas.microsoft.com/office/drawing/2014/main" id="{8F269B3B-33C0-40FD-54C3-86DF00A88659}"/>
+                <a16:creationId xmlns:a16="http://schemas.microsoft.com/office/drawing/2014/main" id="{9B3F4496-CD05-A8D7-6803-2A6CB2B7CDA1}"/>
               </a:ext>
             </a:extLst>
           </p:cNvPr>
@@ -672,7 +672,7 @@
           <p:cNvPr id="4" name="日期占位符 3">
             <a:extLst>
               <a:ext uri="{FF2B5EF4-FFF2-40B4-BE49-F238E27FC236}">
-                <a16:creationId xmlns:a16="http://schemas.microsoft.com/office/drawing/2014/main" id="{C23B4327-BBEB-71D1-17F5-C5B88CC08128}"/>
+                <a16:creationId xmlns:a16="http://schemas.microsoft.com/office/drawing/2014/main" id="{6260B4D7-3DB1-B9B2-165F-E0C9BF3BC1E3}"/>
               </a:ext>
             </a:extLst>
           </p:cNvPr>
@@ -688,7 +688,7 @@
           <a:bodyPr/>
           <a:lstStyle/>
           <a:p>
-            <a:fld id="{4A3BFD6B-6BCF-4C2D-80E4-70AE432CB26E}" type="datetimeFigureOut">
+            <a:fld id="{781DED10-651F-4D6E-A21B-5313803B7B22}" type="datetimeFigureOut">
               <a:rPr lang="zh-CN" altLang="en-US" smtClean="0"/>
               <a:t>2024/3/10</a:t>
             </a:fld>
@@ -701,7 +701,7 @@
           <p:cNvPr id="5" name="页脚占位符 4">
             <a:extLst>
               <a:ext uri="{FF2B5EF4-FFF2-40B4-BE49-F238E27FC236}">
-                <a16:creationId xmlns:a16="http://schemas.microsoft.com/office/drawing/2014/main" id="{683C1742-4E8B-E7AD-144F-CA009739D737}"/>
+                <a16:creationId xmlns:a16="http://schemas.microsoft.com/office/drawing/2014/main" id="{508B47A5-0B57-1D8D-D924-BD52D3BE6CA0}"/>
               </a:ext>
             </a:extLst>
           </p:cNvPr>
@@ -726,7 +726,7 @@
           <p:cNvPr id="6" name="灯片编号占位符 5">
             <a:extLst>
               <a:ext uri="{FF2B5EF4-FFF2-40B4-BE49-F238E27FC236}">
-                <a16:creationId xmlns:a16="http://schemas.microsoft.com/office/drawing/2014/main" id="{DA81C685-E616-4958-C924-E63D55F51F05}"/>
+                <a16:creationId xmlns:a16="http://schemas.microsoft.com/office/drawing/2014/main" id="{982DA52B-738B-B016-7FB1-EBFED83EFEF2}"/>
               </a:ext>
             </a:extLst>
           </p:cNvPr>
@@ -742,7 +742,7 @@
           <a:bodyPr/>
           <a:lstStyle/>
           <a:p>
-            <a:fld id="{25E797CC-1EAA-493B-98EC-D2463D2EF132}" type="slidenum">
+            <a:fld id="{08B5B79F-5A90-4189-9F7E-29331BC74B0C}" type="slidenum">
               <a:rPr lang="zh-CN" altLang="en-US" smtClean="0"/>
               <a:t>‹#›</a:t>
             </a:fld>
@@ -753,7 +753,7 @@
     </p:spTree>
     <p:extLst>
       <p:ext uri="{BB962C8B-B14F-4D97-AF65-F5344CB8AC3E}">
-        <p14:creationId xmlns:p14="http://schemas.microsoft.com/office/powerpoint/2010/main" val="3544581248"/>
+        <p14:creationId xmlns:p14="http://schemas.microsoft.com/office/powerpoint/2010/main" val="3952859873"/>
       </p:ext>
     </p:extLst>
   </p:cSld>
@@ -785,7 +785,7 @@
           <p:cNvPr id="2" name="标题 1">
             <a:extLst>
               <a:ext uri="{FF2B5EF4-FFF2-40B4-BE49-F238E27FC236}">
-                <a16:creationId xmlns:a16="http://schemas.microsoft.com/office/drawing/2014/main" id="{0AC48417-5C99-0E6C-5F95-48A8444D62BD}"/>
+                <a16:creationId xmlns:a16="http://schemas.microsoft.com/office/drawing/2014/main" id="{3B28687E-CAD9-B815-DFEC-AC1984427BDE}"/>
               </a:ext>
             </a:extLst>
           </p:cNvPr>
@@ -813,7 +813,7 @@
           <p:cNvPr id="3" name="竖排文字占位符 2">
             <a:extLst>
               <a:ext uri="{FF2B5EF4-FFF2-40B4-BE49-F238E27FC236}">
-                <a16:creationId xmlns:a16="http://schemas.microsoft.com/office/drawing/2014/main" id="{62FF7DC2-BE8D-90F3-9DD0-701E2C643B2E}"/>
+                <a16:creationId xmlns:a16="http://schemas.microsoft.com/office/drawing/2014/main" id="{6C41AF35-BD3E-CAAC-A319-01EA050659E1}"/>
               </a:ext>
             </a:extLst>
           </p:cNvPr>
@@ -870,7 +870,7 @@
           <p:cNvPr id="4" name="日期占位符 3">
             <a:extLst>
               <a:ext uri="{FF2B5EF4-FFF2-40B4-BE49-F238E27FC236}">
-                <a16:creationId xmlns:a16="http://schemas.microsoft.com/office/drawing/2014/main" id="{92E8BD8D-46E2-6E0A-0720-9CCC288166A3}"/>
+                <a16:creationId xmlns:a16="http://schemas.microsoft.com/office/drawing/2014/main" id="{0DF4AEC4-4287-C380-A813-CC20F8E41C79}"/>
               </a:ext>
             </a:extLst>
           </p:cNvPr>
@@ -886,7 +886,7 @@
           <a:bodyPr/>
           <a:lstStyle/>
           <a:p>
-            <a:fld id="{4A3BFD6B-6BCF-4C2D-80E4-70AE432CB26E}" type="datetimeFigureOut">
+            <a:fld id="{781DED10-651F-4D6E-A21B-5313803B7B22}" type="datetimeFigureOut">
               <a:rPr lang="zh-CN" altLang="en-US" smtClean="0"/>
               <a:t>2024/3/10</a:t>
             </a:fld>
@@ -899,7 +899,7 @@
           <p:cNvPr id="5" name="页脚占位符 4">
             <a:extLst>
               <a:ext uri="{FF2B5EF4-FFF2-40B4-BE49-F238E27FC236}">
-                <a16:creationId xmlns:a16="http://schemas.microsoft.com/office/drawing/2014/main" id="{243B8D58-4C95-7485-6D02-D7385FF4AD51}"/>
+                <a16:creationId xmlns:a16="http://schemas.microsoft.com/office/drawing/2014/main" id="{DB147CCD-04DD-60AF-420C-2625FB705045}"/>
               </a:ext>
             </a:extLst>
           </p:cNvPr>
@@ -924,7 +924,7 @@
           <p:cNvPr id="6" name="灯片编号占位符 5">
             <a:extLst>
               <a:ext uri="{FF2B5EF4-FFF2-40B4-BE49-F238E27FC236}">
-                <a16:creationId xmlns:a16="http://schemas.microsoft.com/office/drawing/2014/main" id="{A008B848-AA1E-8D93-5AF5-84A38D55E4A0}"/>
+                <a16:creationId xmlns:a16="http://schemas.microsoft.com/office/drawing/2014/main" id="{B752E0EA-A30F-574B-0BC8-FFE7860C1E91}"/>
               </a:ext>
             </a:extLst>
           </p:cNvPr>
@@ -940,7 +940,7 @@
           <a:bodyPr/>
           <a:lstStyle/>
           <a:p>
-            <a:fld id="{25E797CC-1EAA-493B-98EC-D2463D2EF132}" type="slidenum">
+            <a:fld id="{08B5B79F-5A90-4189-9F7E-29331BC74B0C}" type="slidenum">
               <a:rPr lang="zh-CN" altLang="en-US" smtClean="0"/>
               <a:t>‹#›</a:t>
             </a:fld>
@@ -951,7 +951,7 @@
     </p:spTree>
     <p:extLst>
       <p:ext uri="{BB962C8B-B14F-4D97-AF65-F5344CB8AC3E}">
-        <p14:creationId xmlns:p14="http://schemas.microsoft.com/office/powerpoint/2010/main" val="2349885391"/>
+        <p14:creationId xmlns:p14="http://schemas.microsoft.com/office/powerpoint/2010/main" val="3102618836"/>
       </p:ext>
     </p:extLst>
   </p:cSld>
@@ -983,7 +983,7 @@
           <p:cNvPr id="2" name="竖排标题 1">
             <a:extLst>
               <a:ext uri="{FF2B5EF4-FFF2-40B4-BE49-F238E27FC236}">
-                <a16:creationId xmlns:a16="http://schemas.microsoft.com/office/drawing/2014/main" id="{34FD43C7-0528-7387-E008-E56B4D1DDA06}"/>
+                <a16:creationId xmlns:a16="http://schemas.microsoft.com/office/drawing/2014/main" id="{EA50B767-EEAE-EFF3-09BD-B75C257055C3}"/>
               </a:ext>
             </a:extLst>
           </p:cNvPr>
@@ -1016,7 +1016,7 @@
           <p:cNvPr id="3" name="竖排文字占位符 2">
             <a:extLst>
               <a:ext uri="{FF2B5EF4-FFF2-40B4-BE49-F238E27FC236}">
-                <a16:creationId xmlns:a16="http://schemas.microsoft.com/office/drawing/2014/main" id="{66B2912E-B51C-4255-AD19-E1BE90FDD700}"/>
+                <a16:creationId xmlns:a16="http://schemas.microsoft.com/office/drawing/2014/main" id="{3EB92800-F084-58AD-8E0B-4185473941C8}"/>
               </a:ext>
             </a:extLst>
           </p:cNvPr>
@@ -1078,7 +1078,7 @@
           <p:cNvPr id="4" name="日期占位符 3">
             <a:extLst>
               <a:ext uri="{FF2B5EF4-FFF2-40B4-BE49-F238E27FC236}">
-                <a16:creationId xmlns:a16="http://schemas.microsoft.com/office/drawing/2014/main" id="{AD533281-3950-96CF-CF08-11E327C80BD3}"/>
+                <a16:creationId xmlns:a16="http://schemas.microsoft.com/office/drawing/2014/main" id="{F89037BA-0842-7E88-0EB2-C647B17EFB4F}"/>
               </a:ext>
             </a:extLst>
           </p:cNvPr>
@@ -1094,7 +1094,7 @@
           <a:bodyPr/>
           <a:lstStyle/>
           <a:p>
-            <a:fld id="{4A3BFD6B-6BCF-4C2D-80E4-70AE432CB26E}" type="datetimeFigureOut">
+            <a:fld id="{781DED10-651F-4D6E-A21B-5313803B7B22}" type="datetimeFigureOut">
               <a:rPr lang="zh-CN" altLang="en-US" smtClean="0"/>
               <a:t>2024/3/10</a:t>
             </a:fld>
@@ -1107,7 +1107,7 @@
           <p:cNvPr id="5" name="页脚占位符 4">
             <a:extLst>
               <a:ext uri="{FF2B5EF4-FFF2-40B4-BE49-F238E27FC236}">
-                <a16:creationId xmlns:a16="http://schemas.microsoft.com/office/drawing/2014/main" id="{173853EB-820E-C007-A0D1-17EFBCCE67A5}"/>
+                <a16:creationId xmlns:a16="http://schemas.microsoft.com/office/drawing/2014/main" id="{B9DED172-7E77-6577-2F12-6517761DF74C}"/>
               </a:ext>
             </a:extLst>
           </p:cNvPr>
@@ -1132,7 +1132,7 @@
           <p:cNvPr id="6" name="灯片编号占位符 5">
             <a:extLst>
               <a:ext uri="{FF2B5EF4-FFF2-40B4-BE49-F238E27FC236}">
-                <a16:creationId xmlns:a16="http://schemas.microsoft.com/office/drawing/2014/main" id="{5D7A7F8E-F102-D45D-C124-0318B7767B7A}"/>
+                <a16:creationId xmlns:a16="http://schemas.microsoft.com/office/drawing/2014/main" id="{8E6B9FAC-A396-BB0B-B0EC-856179E7FE2C}"/>
               </a:ext>
             </a:extLst>
           </p:cNvPr>
@@ -1148,7 +1148,7 @@
           <a:bodyPr/>
           <a:lstStyle/>
           <a:p>
-            <a:fld id="{25E797CC-1EAA-493B-98EC-D2463D2EF132}" type="slidenum">
+            <a:fld id="{08B5B79F-5A90-4189-9F7E-29331BC74B0C}" type="slidenum">
               <a:rPr lang="zh-CN" altLang="en-US" smtClean="0"/>
               <a:t>‹#›</a:t>
             </a:fld>
@@ -1159,7 +1159,7 @@
     </p:spTree>
     <p:extLst>
       <p:ext uri="{BB962C8B-B14F-4D97-AF65-F5344CB8AC3E}">
-        <p14:creationId xmlns:p14="http://schemas.microsoft.com/office/powerpoint/2010/main" val="1361842309"/>
+        <p14:creationId xmlns:p14="http://schemas.microsoft.com/office/powerpoint/2010/main" val="360385147"/>
       </p:ext>
     </p:extLst>
   </p:cSld>
@@ -1191,7 +1191,7 @@
           <p:cNvPr id="2" name="标题 1">
             <a:extLst>
               <a:ext uri="{FF2B5EF4-FFF2-40B4-BE49-F238E27FC236}">
-                <a16:creationId xmlns:a16="http://schemas.microsoft.com/office/drawing/2014/main" id="{D61B7235-FC0A-D7DF-498B-50F3EB303608}"/>
+                <a16:creationId xmlns:a16="http://schemas.microsoft.com/office/drawing/2014/main" id="{2A01A115-BBB8-33E9-7FFB-E0043FED829A}"/>
               </a:ext>
             </a:extLst>
           </p:cNvPr>
@@ -1219,7 +1219,7 @@
           <p:cNvPr id="3" name="内容占位符 2">
             <a:extLst>
               <a:ext uri="{FF2B5EF4-FFF2-40B4-BE49-F238E27FC236}">
-                <a16:creationId xmlns:a16="http://schemas.microsoft.com/office/drawing/2014/main" id="{00E09472-8297-2DBF-D1F1-E57B905A2573}"/>
+                <a16:creationId xmlns:a16="http://schemas.microsoft.com/office/drawing/2014/main" id="{D433ED1F-6FB7-FA3B-5900-CC291AD99A54}"/>
               </a:ext>
             </a:extLst>
           </p:cNvPr>
@@ -1276,7 +1276,7 @@
           <p:cNvPr id="4" name="日期占位符 3">
             <a:extLst>
               <a:ext uri="{FF2B5EF4-FFF2-40B4-BE49-F238E27FC236}">
-                <a16:creationId xmlns:a16="http://schemas.microsoft.com/office/drawing/2014/main" id="{F4D3C924-C877-154C-83C0-D50636537FEB}"/>
+                <a16:creationId xmlns:a16="http://schemas.microsoft.com/office/drawing/2014/main" id="{FEB39CA8-C9A5-CDDE-8637-0259CDF910A4}"/>
               </a:ext>
             </a:extLst>
           </p:cNvPr>
@@ -1292,7 +1292,7 @@
           <a:bodyPr/>
           <a:lstStyle/>
           <a:p>
-            <a:fld id="{4A3BFD6B-6BCF-4C2D-80E4-70AE432CB26E}" type="datetimeFigureOut">
+            <a:fld id="{781DED10-651F-4D6E-A21B-5313803B7B22}" type="datetimeFigureOut">
               <a:rPr lang="zh-CN" altLang="en-US" smtClean="0"/>
               <a:t>2024/3/10</a:t>
             </a:fld>
@@ -1305,7 +1305,7 @@
           <p:cNvPr id="5" name="页脚占位符 4">
             <a:extLst>
               <a:ext uri="{FF2B5EF4-FFF2-40B4-BE49-F238E27FC236}">
-                <a16:creationId xmlns:a16="http://schemas.microsoft.com/office/drawing/2014/main" id="{02FB59EA-BEB0-F205-7BDE-D92C151540D2}"/>
+                <a16:creationId xmlns:a16="http://schemas.microsoft.com/office/drawing/2014/main" id="{D7F65AB3-F529-A005-6D45-AFCCF78D8B71}"/>
               </a:ext>
             </a:extLst>
           </p:cNvPr>
@@ -1330,7 +1330,7 @@
           <p:cNvPr id="6" name="灯片编号占位符 5">
             <a:extLst>
               <a:ext uri="{FF2B5EF4-FFF2-40B4-BE49-F238E27FC236}">
-                <a16:creationId xmlns:a16="http://schemas.microsoft.com/office/drawing/2014/main" id="{69730C77-846F-319D-114D-BE2ADE6E8C14}"/>
+                <a16:creationId xmlns:a16="http://schemas.microsoft.com/office/drawing/2014/main" id="{043D42BD-9905-146E-C87B-8B227DCFD188}"/>
               </a:ext>
             </a:extLst>
           </p:cNvPr>
@@ -1346,7 +1346,7 @@
           <a:bodyPr/>
           <a:lstStyle/>
           <a:p>
-            <a:fld id="{25E797CC-1EAA-493B-98EC-D2463D2EF132}" type="slidenum">
+            <a:fld id="{08B5B79F-5A90-4189-9F7E-29331BC74B0C}" type="slidenum">
               <a:rPr lang="zh-CN" altLang="en-US" smtClean="0"/>
               <a:t>‹#›</a:t>
             </a:fld>
@@ -1357,7 +1357,7 @@
     </p:spTree>
     <p:extLst>
       <p:ext uri="{BB962C8B-B14F-4D97-AF65-F5344CB8AC3E}">
-        <p14:creationId xmlns:p14="http://schemas.microsoft.com/office/powerpoint/2010/main" val="4219458389"/>
+        <p14:creationId xmlns:p14="http://schemas.microsoft.com/office/powerpoint/2010/main" val="4022571438"/>
       </p:ext>
     </p:extLst>
   </p:cSld>
@@ -1389,7 +1389,7 @@
           <p:cNvPr id="2" name="标题 1">
             <a:extLst>
               <a:ext uri="{FF2B5EF4-FFF2-40B4-BE49-F238E27FC236}">
-                <a16:creationId xmlns:a16="http://schemas.microsoft.com/office/drawing/2014/main" id="{B6873468-DD22-83AB-0631-30FE48A1AC3C}"/>
+                <a16:creationId xmlns:a16="http://schemas.microsoft.com/office/drawing/2014/main" id="{548BD941-0782-A822-FB6E-9FE0A5C67BB7}"/>
               </a:ext>
             </a:extLst>
           </p:cNvPr>
@@ -1426,7 +1426,7 @@
           <p:cNvPr id="3" name="文本占位符 2">
             <a:extLst>
               <a:ext uri="{FF2B5EF4-FFF2-40B4-BE49-F238E27FC236}">
-                <a16:creationId xmlns:a16="http://schemas.microsoft.com/office/drawing/2014/main" id="{307855C0-EC10-B8A4-860B-4F3F57DAA217}"/>
+                <a16:creationId xmlns:a16="http://schemas.microsoft.com/office/drawing/2014/main" id="{8B78D61E-2BCB-650C-8392-A0D9309E4CC0}"/>
               </a:ext>
             </a:extLst>
           </p:cNvPr>
@@ -1551,7 +1551,7 @@
           <p:cNvPr id="4" name="日期占位符 3">
             <a:extLst>
               <a:ext uri="{FF2B5EF4-FFF2-40B4-BE49-F238E27FC236}">
-                <a16:creationId xmlns:a16="http://schemas.microsoft.com/office/drawing/2014/main" id="{8A2C9137-6711-EB9E-5920-C94B8A936D9B}"/>
+                <a16:creationId xmlns:a16="http://schemas.microsoft.com/office/drawing/2014/main" id="{094064C9-E0E4-06F6-0168-438821B7DE04}"/>
               </a:ext>
             </a:extLst>
           </p:cNvPr>
@@ -1567,7 +1567,7 @@
           <a:bodyPr/>
           <a:lstStyle/>
           <a:p>
-            <a:fld id="{4A3BFD6B-6BCF-4C2D-80E4-70AE432CB26E}" type="datetimeFigureOut">
+            <a:fld id="{781DED10-651F-4D6E-A21B-5313803B7B22}" type="datetimeFigureOut">
               <a:rPr lang="zh-CN" altLang="en-US" smtClean="0"/>
               <a:t>2024/3/10</a:t>
             </a:fld>
@@ -1580,7 +1580,7 @@
           <p:cNvPr id="5" name="页脚占位符 4">
             <a:extLst>
               <a:ext uri="{FF2B5EF4-FFF2-40B4-BE49-F238E27FC236}">
-                <a16:creationId xmlns:a16="http://schemas.microsoft.com/office/drawing/2014/main" id="{02E00F94-5FC7-D1CB-6B61-49790DDA4318}"/>
+                <a16:creationId xmlns:a16="http://schemas.microsoft.com/office/drawing/2014/main" id="{1AEF8FB5-7015-915F-8DC4-C6263409DD47}"/>
               </a:ext>
             </a:extLst>
           </p:cNvPr>
@@ -1605,7 +1605,7 @@
           <p:cNvPr id="6" name="灯片编号占位符 5">
             <a:extLst>
               <a:ext uri="{FF2B5EF4-FFF2-40B4-BE49-F238E27FC236}">
-                <a16:creationId xmlns:a16="http://schemas.microsoft.com/office/drawing/2014/main" id="{B053177C-FFB8-6837-353B-8FB8D7E97AC8}"/>
+                <a16:creationId xmlns:a16="http://schemas.microsoft.com/office/drawing/2014/main" id="{24E01679-0C9D-6925-0896-711D6C450BC9}"/>
               </a:ext>
             </a:extLst>
           </p:cNvPr>
@@ -1621,7 +1621,7 @@
           <a:bodyPr/>
           <a:lstStyle/>
           <a:p>
-            <a:fld id="{25E797CC-1EAA-493B-98EC-D2463D2EF132}" type="slidenum">
+            <a:fld id="{08B5B79F-5A90-4189-9F7E-29331BC74B0C}" type="slidenum">
               <a:rPr lang="zh-CN" altLang="en-US" smtClean="0"/>
               <a:t>‹#›</a:t>
             </a:fld>
@@ -1632,7 +1632,7 @@
     </p:spTree>
     <p:extLst>
       <p:ext uri="{BB962C8B-B14F-4D97-AF65-F5344CB8AC3E}">
-        <p14:creationId xmlns:p14="http://schemas.microsoft.com/office/powerpoint/2010/main" val="2014932388"/>
+        <p14:creationId xmlns:p14="http://schemas.microsoft.com/office/powerpoint/2010/main" val="1007340196"/>
       </p:ext>
     </p:extLst>
   </p:cSld>
@@ -1664,7 +1664,7 @@
           <p:cNvPr id="2" name="标题 1">
             <a:extLst>
               <a:ext uri="{FF2B5EF4-FFF2-40B4-BE49-F238E27FC236}">
-                <a16:creationId xmlns:a16="http://schemas.microsoft.com/office/drawing/2014/main" id="{3DB51D3E-C975-5A98-32CF-4F4246A20C69}"/>
+                <a16:creationId xmlns:a16="http://schemas.microsoft.com/office/drawing/2014/main" id="{2BA3DFC1-EDDB-B657-F9C5-FE9C86E943E8}"/>
               </a:ext>
             </a:extLst>
           </p:cNvPr>
@@ -1692,7 +1692,7 @@
           <p:cNvPr id="3" name="内容占位符 2">
             <a:extLst>
               <a:ext uri="{FF2B5EF4-FFF2-40B4-BE49-F238E27FC236}">
-                <a16:creationId xmlns:a16="http://schemas.microsoft.com/office/drawing/2014/main" id="{9FC28339-2F90-742E-6809-BFA94A4B1148}"/>
+                <a16:creationId xmlns:a16="http://schemas.microsoft.com/office/drawing/2014/main" id="{574C2E6B-D143-CEDE-190D-FE456C31AAB4}"/>
               </a:ext>
             </a:extLst>
           </p:cNvPr>
@@ -1754,7 +1754,7 @@
           <p:cNvPr id="4" name="内容占位符 3">
             <a:extLst>
               <a:ext uri="{FF2B5EF4-FFF2-40B4-BE49-F238E27FC236}">
-                <a16:creationId xmlns:a16="http://schemas.microsoft.com/office/drawing/2014/main" id="{C05C7545-A31D-84C8-5D27-09F34636861C}"/>
+                <a16:creationId xmlns:a16="http://schemas.microsoft.com/office/drawing/2014/main" id="{7F83F16D-0777-C6BC-AF67-A258E09820FE}"/>
               </a:ext>
             </a:extLst>
           </p:cNvPr>
@@ -1816,7 +1816,7 @@
           <p:cNvPr id="5" name="日期占位符 4">
             <a:extLst>
               <a:ext uri="{FF2B5EF4-FFF2-40B4-BE49-F238E27FC236}">
-                <a16:creationId xmlns:a16="http://schemas.microsoft.com/office/drawing/2014/main" id="{BB4C9243-0523-34F3-B0EB-3DF65E1FE9AA}"/>
+                <a16:creationId xmlns:a16="http://schemas.microsoft.com/office/drawing/2014/main" id="{D941D77A-9F0F-7FD7-FABE-60A2647FA90D}"/>
               </a:ext>
             </a:extLst>
           </p:cNvPr>
@@ -1832,7 +1832,7 @@
           <a:bodyPr/>
           <a:lstStyle/>
           <a:p>
-            <a:fld id="{4A3BFD6B-6BCF-4C2D-80E4-70AE432CB26E}" type="datetimeFigureOut">
+            <a:fld id="{781DED10-651F-4D6E-A21B-5313803B7B22}" type="datetimeFigureOut">
               <a:rPr lang="zh-CN" altLang="en-US" smtClean="0"/>
               <a:t>2024/3/10</a:t>
             </a:fld>
@@ -1845,7 +1845,7 @@
           <p:cNvPr id="6" name="页脚占位符 5">
             <a:extLst>
               <a:ext uri="{FF2B5EF4-FFF2-40B4-BE49-F238E27FC236}">
-                <a16:creationId xmlns:a16="http://schemas.microsoft.com/office/drawing/2014/main" id="{71E3AA3E-F45F-FDA2-580C-75CA0FCB1E16}"/>
+                <a16:creationId xmlns:a16="http://schemas.microsoft.com/office/drawing/2014/main" id="{6CDB0773-AC37-BCC6-3B7A-9C0C6CC139D3}"/>
               </a:ext>
             </a:extLst>
           </p:cNvPr>
@@ -1870,7 +1870,7 @@
           <p:cNvPr id="7" name="灯片编号占位符 6">
             <a:extLst>
               <a:ext uri="{FF2B5EF4-FFF2-40B4-BE49-F238E27FC236}">
-                <a16:creationId xmlns:a16="http://schemas.microsoft.com/office/drawing/2014/main" id="{98D3D558-7774-C800-3C85-279C0E036F6D}"/>
+                <a16:creationId xmlns:a16="http://schemas.microsoft.com/office/drawing/2014/main" id="{D6F2CA85-4EE1-7BD6-D001-5BCC78325349}"/>
               </a:ext>
             </a:extLst>
           </p:cNvPr>
@@ -1886,7 +1886,7 @@
           <a:bodyPr/>
           <a:lstStyle/>
           <a:p>
-            <a:fld id="{25E797CC-1EAA-493B-98EC-D2463D2EF132}" type="slidenum">
+            <a:fld id="{08B5B79F-5A90-4189-9F7E-29331BC74B0C}" type="slidenum">
               <a:rPr lang="zh-CN" altLang="en-US" smtClean="0"/>
               <a:t>‹#›</a:t>
             </a:fld>
@@ -1897,7 +1897,7 @@
     </p:spTree>
     <p:extLst>
       <p:ext uri="{BB962C8B-B14F-4D97-AF65-F5344CB8AC3E}">
-        <p14:creationId xmlns:p14="http://schemas.microsoft.com/office/powerpoint/2010/main" val="3639946603"/>
+        <p14:creationId xmlns:p14="http://schemas.microsoft.com/office/powerpoint/2010/main" val="4095199395"/>
       </p:ext>
     </p:extLst>
   </p:cSld>
@@ -1929,7 +1929,7 @@
           <p:cNvPr id="2" name="标题 1">
             <a:extLst>
               <a:ext uri="{FF2B5EF4-FFF2-40B4-BE49-F238E27FC236}">
-                <a16:creationId xmlns:a16="http://schemas.microsoft.com/office/drawing/2014/main" id="{307A0759-D11A-F5EA-4DAC-0BB130BC4E66}"/>
+                <a16:creationId xmlns:a16="http://schemas.microsoft.com/office/drawing/2014/main" id="{E621CAF4-9C2F-0398-EB8D-208B1088C4B8}"/>
               </a:ext>
             </a:extLst>
           </p:cNvPr>
@@ -1962,7 +1962,7 @@
           <p:cNvPr id="3" name="文本占位符 2">
             <a:extLst>
               <a:ext uri="{FF2B5EF4-FFF2-40B4-BE49-F238E27FC236}">
-                <a16:creationId xmlns:a16="http://schemas.microsoft.com/office/drawing/2014/main" id="{390935F7-2085-FA05-DBC2-C4F12E2FBD89}"/>
+                <a16:creationId xmlns:a16="http://schemas.microsoft.com/office/drawing/2014/main" id="{22FBB1E0-3919-2228-6208-839CB3AEA064}"/>
               </a:ext>
             </a:extLst>
           </p:cNvPr>
@@ -2033,7 +2033,7 @@
           <p:cNvPr id="4" name="内容占位符 3">
             <a:extLst>
               <a:ext uri="{FF2B5EF4-FFF2-40B4-BE49-F238E27FC236}">
-                <a16:creationId xmlns:a16="http://schemas.microsoft.com/office/drawing/2014/main" id="{D5006B56-4D67-458C-43B3-0ABB72297DF9}"/>
+                <a16:creationId xmlns:a16="http://schemas.microsoft.com/office/drawing/2014/main" id="{93C15628-463E-B932-51BA-8CF7B4A4E867}"/>
               </a:ext>
             </a:extLst>
           </p:cNvPr>
@@ -2095,7 +2095,7 @@
           <p:cNvPr id="5" name="文本占位符 4">
             <a:extLst>
               <a:ext uri="{FF2B5EF4-FFF2-40B4-BE49-F238E27FC236}">
-                <a16:creationId xmlns:a16="http://schemas.microsoft.com/office/drawing/2014/main" id="{D91FEB70-657B-492D-59A1-364D71EA9442}"/>
+                <a16:creationId xmlns:a16="http://schemas.microsoft.com/office/drawing/2014/main" id="{28A6C436-9110-F916-324F-A7141C9AD65E}"/>
               </a:ext>
             </a:extLst>
           </p:cNvPr>
@@ -2166,7 +2166,7 @@
           <p:cNvPr id="6" name="内容占位符 5">
             <a:extLst>
               <a:ext uri="{FF2B5EF4-FFF2-40B4-BE49-F238E27FC236}">
-                <a16:creationId xmlns:a16="http://schemas.microsoft.com/office/drawing/2014/main" id="{48370A17-CEA7-5634-C8C8-6D9EC8B9E408}"/>
+                <a16:creationId xmlns:a16="http://schemas.microsoft.com/office/drawing/2014/main" id="{9BA68BD4-5564-CA4F-1A8B-BD51FAF25E84}"/>
               </a:ext>
             </a:extLst>
           </p:cNvPr>
@@ -2228,7 +2228,7 @@
           <p:cNvPr id="7" name="日期占位符 6">
             <a:extLst>
               <a:ext uri="{FF2B5EF4-FFF2-40B4-BE49-F238E27FC236}">
-                <a16:creationId xmlns:a16="http://schemas.microsoft.com/office/drawing/2014/main" id="{E659D1C0-A2AB-F222-415C-8355D5051330}"/>
+                <a16:creationId xmlns:a16="http://schemas.microsoft.com/office/drawing/2014/main" id="{9B3C87BC-8F25-426C-C7B5-510C0B1FBA1D}"/>
               </a:ext>
             </a:extLst>
           </p:cNvPr>
@@ -2244,7 +2244,7 @@
           <a:bodyPr/>
           <a:lstStyle/>
           <a:p>
-            <a:fld id="{4A3BFD6B-6BCF-4C2D-80E4-70AE432CB26E}" type="datetimeFigureOut">
+            <a:fld id="{781DED10-651F-4D6E-A21B-5313803B7B22}" type="datetimeFigureOut">
               <a:rPr lang="zh-CN" altLang="en-US" smtClean="0"/>
               <a:t>2024/3/10</a:t>
             </a:fld>
@@ -2257,7 +2257,7 @@
           <p:cNvPr id="8" name="页脚占位符 7">
             <a:extLst>
               <a:ext uri="{FF2B5EF4-FFF2-40B4-BE49-F238E27FC236}">
-                <a16:creationId xmlns:a16="http://schemas.microsoft.com/office/drawing/2014/main" id="{C0CD1B54-26ED-4BF5-8622-4354B4E3795B}"/>
+                <a16:creationId xmlns:a16="http://schemas.microsoft.com/office/drawing/2014/main" id="{4C145146-7923-ACCA-2265-DDA115B513AD}"/>
               </a:ext>
             </a:extLst>
           </p:cNvPr>
@@ -2282,7 +2282,7 @@
           <p:cNvPr id="9" name="灯片编号占位符 8">
             <a:extLst>
               <a:ext uri="{FF2B5EF4-FFF2-40B4-BE49-F238E27FC236}">
-                <a16:creationId xmlns:a16="http://schemas.microsoft.com/office/drawing/2014/main" id="{108BE854-2B56-096B-835F-CC392BCE8E63}"/>
+                <a16:creationId xmlns:a16="http://schemas.microsoft.com/office/drawing/2014/main" id="{9FE4E615-A050-E16B-D553-62861B4946A4}"/>
               </a:ext>
             </a:extLst>
           </p:cNvPr>
@@ -2298,7 +2298,7 @@
           <a:bodyPr/>
           <a:lstStyle/>
           <a:p>
-            <a:fld id="{25E797CC-1EAA-493B-98EC-D2463D2EF132}" type="slidenum">
+            <a:fld id="{08B5B79F-5A90-4189-9F7E-29331BC74B0C}" type="slidenum">
               <a:rPr lang="zh-CN" altLang="en-US" smtClean="0"/>
               <a:t>‹#›</a:t>
             </a:fld>
@@ -2309,7 +2309,7 @@
     </p:spTree>
     <p:extLst>
       <p:ext uri="{BB962C8B-B14F-4D97-AF65-F5344CB8AC3E}">
-        <p14:creationId xmlns:p14="http://schemas.microsoft.com/office/powerpoint/2010/main" val="2692191251"/>
+        <p14:creationId xmlns:p14="http://schemas.microsoft.com/office/powerpoint/2010/main" val="1705694279"/>
       </p:ext>
     </p:extLst>
   </p:cSld>
@@ -2341,7 +2341,7 @@
           <p:cNvPr id="2" name="标题 1">
             <a:extLst>
               <a:ext uri="{FF2B5EF4-FFF2-40B4-BE49-F238E27FC236}">
-                <a16:creationId xmlns:a16="http://schemas.microsoft.com/office/drawing/2014/main" id="{3A330FF8-083C-D56C-178C-AD093718D1FF}"/>
+                <a16:creationId xmlns:a16="http://schemas.microsoft.com/office/drawing/2014/main" id="{74EAF1BC-387E-5B12-EBD8-09C867CC87DC}"/>
               </a:ext>
             </a:extLst>
           </p:cNvPr>
@@ -2369,7 +2369,7 @@
           <p:cNvPr id="3" name="日期占位符 2">
             <a:extLst>
               <a:ext uri="{FF2B5EF4-FFF2-40B4-BE49-F238E27FC236}">
-                <a16:creationId xmlns:a16="http://schemas.microsoft.com/office/drawing/2014/main" id="{A098F775-DEEC-8198-567F-F6DAA8AC39BB}"/>
+                <a16:creationId xmlns:a16="http://schemas.microsoft.com/office/drawing/2014/main" id="{E1C83FD0-F562-5E89-77D6-26A49A23BD0B}"/>
               </a:ext>
             </a:extLst>
           </p:cNvPr>
@@ -2385,7 +2385,7 @@
           <a:bodyPr/>
           <a:lstStyle/>
           <a:p>
-            <a:fld id="{4A3BFD6B-6BCF-4C2D-80E4-70AE432CB26E}" type="datetimeFigureOut">
+            <a:fld id="{781DED10-651F-4D6E-A21B-5313803B7B22}" type="datetimeFigureOut">
               <a:rPr lang="zh-CN" altLang="en-US" smtClean="0"/>
               <a:t>2024/3/10</a:t>
             </a:fld>
@@ -2398,7 +2398,7 @@
           <p:cNvPr id="4" name="页脚占位符 3">
             <a:extLst>
               <a:ext uri="{FF2B5EF4-FFF2-40B4-BE49-F238E27FC236}">
-                <a16:creationId xmlns:a16="http://schemas.microsoft.com/office/drawing/2014/main" id="{9F9B1D9E-B1B4-5496-5799-074444EB49EC}"/>
+                <a16:creationId xmlns:a16="http://schemas.microsoft.com/office/drawing/2014/main" id="{5D4CD111-4375-DC2F-0B10-6D12B41C11EC}"/>
               </a:ext>
             </a:extLst>
           </p:cNvPr>
@@ -2423,7 +2423,7 @@
           <p:cNvPr id="5" name="灯片编号占位符 4">
             <a:extLst>
               <a:ext uri="{FF2B5EF4-FFF2-40B4-BE49-F238E27FC236}">
-                <a16:creationId xmlns:a16="http://schemas.microsoft.com/office/drawing/2014/main" id="{3A76626B-BF3A-225E-EED4-4FF01BE3B539}"/>
+                <a16:creationId xmlns:a16="http://schemas.microsoft.com/office/drawing/2014/main" id="{7FBE31AB-6587-7FF6-6718-E35122A76B5F}"/>
               </a:ext>
             </a:extLst>
           </p:cNvPr>
@@ -2439,7 +2439,7 @@
           <a:bodyPr/>
           <a:lstStyle/>
           <a:p>
-            <a:fld id="{25E797CC-1EAA-493B-98EC-D2463D2EF132}" type="slidenum">
+            <a:fld id="{08B5B79F-5A90-4189-9F7E-29331BC74B0C}" type="slidenum">
               <a:rPr lang="zh-CN" altLang="en-US" smtClean="0"/>
               <a:t>‹#›</a:t>
             </a:fld>
@@ -2450,7 +2450,7 @@
     </p:spTree>
     <p:extLst>
       <p:ext uri="{BB962C8B-B14F-4D97-AF65-F5344CB8AC3E}">
-        <p14:creationId xmlns:p14="http://schemas.microsoft.com/office/powerpoint/2010/main" val="2901947194"/>
+        <p14:creationId xmlns:p14="http://schemas.microsoft.com/office/powerpoint/2010/main" val="4140389844"/>
       </p:ext>
     </p:extLst>
   </p:cSld>
@@ -2482,7 +2482,7 @@
           <p:cNvPr id="2" name="日期占位符 1">
             <a:extLst>
               <a:ext uri="{FF2B5EF4-FFF2-40B4-BE49-F238E27FC236}">
-                <a16:creationId xmlns:a16="http://schemas.microsoft.com/office/drawing/2014/main" id="{97528B37-24B7-F2F2-0357-410AAEAFC11D}"/>
+                <a16:creationId xmlns:a16="http://schemas.microsoft.com/office/drawing/2014/main" id="{0C38434B-094C-AEAF-FF58-4EA31D11F8A6}"/>
               </a:ext>
             </a:extLst>
           </p:cNvPr>
@@ -2498,7 +2498,7 @@
           <a:bodyPr/>
           <a:lstStyle/>
           <a:p>
-            <a:fld id="{4A3BFD6B-6BCF-4C2D-80E4-70AE432CB26E}" type="datetimeFigureOut">
+            <a:fld id="{781DED10-651F-4D6E-A21B-5313803B7B22}" type="datetimeFigureOut">
               <a:rPr lang="zh-CN" altLang="en-US" smtClean="0"/>
               <a:t>2024/3/10</a:t>
             </a:fld>
@@ -2511,7 +2511,7 @@
           <p:cNvPr id="3" name="页脚占位符 2">
             <a:extLst>
               <a:ext uri="{FF2B5EF4-FFF2-40B4-BE49-F238E27FC236}">
-                <a16:creationId xmlns:a16="http://schemas.microsoft.com/office/drawing/2014/main" id="{A4FE207B-58B0-2852-622C-93A48CB8B985}"/>
+                <a16:creationId xmlns:a16="http://schemas.microsoft.com/office/drawing/2014/main" id="{3B55470B-B941-7873-110A-06F8185F0340}"/>
               </a:ext>
             </a:extLst>
           </p:cNvPr>
@@ -2536,7 +2536,7 @@
           <p:cNvPr id="4" name="灯片编号占位符 3">
             <a:extLst>
               <a:ext uri="{FF2B5EF4-FFF2-40B4-BE49-F238E27FC236}">
-                <a16:creationId xmlns:a16="http://schemas.microsoft.com/office/drawing/2014/main" id="{965B4DB3-BD7A-FC31-93F2-3CC2AEEC4203}"/>
+                <a16:creationId xmlns:a16="http://schemas.microsoft.com/office/drawing/2014/main" id="{7474FA20-3490-2062-57A2-066A7949C294}"/>
               </a:ext>
             </a:extLst>
           </p:cNvPr>
@@ -2552,7 +2552,7 @@
           <a:bodyPr/>
           <a:lstStyle/>
           <a:p>
-            <a:fld id="{25E797CC-1EAA-493B-98EC-D2463D2EF132}" type="slidenum">
+            <a:fld id="{08B5B79F-5A90-4189-9F7E-29331BC74B0C}" type="slidenum">
               <a:rPr lang="zh-CN" altLang="en-US" smtClean="0"/>
               <a:t>‹#›</a:t>
             </a:fld>
@@ -2563,7 +2563,7 @@
     </p:spTree>
     <p:extLst>
       <p:ext uri="{BB962C8B-B14F-4D97-AF65-F5344CB8AC3E}">
-        <p14:creationId xmlns:p14="http://schemas.microsoft.com/office/powerpoint/2010/main" val="2666708116"/>
+        <p14:creationId xmlns:p14="http://schemas.microsoft.com/office/powerpoint/2010/main" val="3060184986"/>
       </p:ext>
     </p:extLst>
   </p:cSld>
@@ -2595,7 +2595,7 @@
           <p:cNvPr id="2" name="标题 1">
             <a:extLst>
               <a:ext uri="{FF2B5EF4-FFF2-40B4-BE49-F238E27FC236}">
-                <a16:creationId xmlns:a16="http://schemas.microsoft.com/office/drawing/2014/main" id="{C72B81D1-B4FC-D9CB-9251-1A02EBFF43E1}"/>
+                <a16:creationId xmlns:a16="http://schemas.microsoft.com/office/drawing/2014/main" id="{CE3BB7BF-68B9-DAB1-6FC6-249624A3FECF}"/>
               </a:ext>
             </a:extLst>
           </p:cNvPr>
@@ -2632,7 +2632,7 @@
           <p:cNvPr id="3" name="内容占位符 2">
             <a:extLst>
               <a:ext uri="{FF2B5EF4-FFF2-40B4-BE49-F238E27FC236}">
-                <a16:creationId xmlns:a16="http://schemas.microsoft.com/office/drawing/2014/main" id="{EBCA0C40-C066-6AED-116B-E318AF93C0BD}"/>
+                <a16:creationId xmlns:a16="http://schemas.microsoft.com/office/drawing/2014/main" id="{E0C272AC-3F9B-B935-B22E-AD9858D44BA0}"/>
               </a:ext>
             </a:extLst>
           </p:cNvPr>
@@ -2722,7 +2722,7 @@
           <p:cNvPr id="4" name="文本占位符 3">
             <a:extLst>
               <a:ext uri="{FF2B5EF4-FFF2-40B4-BE49-F238E27FC236}">
-                <a16:creationId xmlns:a16="http://schemas.microsoft.com/office/drawing/2014/main" id="{B7730356-2760-5151-646C-4D164B874208}"/>
+                <a16:creationId xmlns:a16="http://schemas.microsoft.com/office/drawing/2014/main" id="{2ACD923F-871D-74FA-498F-2DA5D29E081C}"/>
               </a:ext>
             </a:extLst>
           </p:cNvPr>
@@ -2793,7 +2793,7 @@
           <p:cNvPr id="5" name="日期占位符 4">
             <a:extLst>
               <a:ext uri="{FF2B5EF4-FFF2-40B4-BE49-F238E27FC236}">
-                <a16:creationId xmlns:a16="http://schemas.microsoft.com/office/drawing/2014/main" id="{599A5CA7-8B81-DA0B-1B17-9986B9957564}"/>
+                <a16:creationId xmlns:a16="http://schemas.microsoft.com/office/drawing/2014/main" id="{97134DE8-BFA2-AC75-76E7-F74AA205B9A9}"/>
               </a:ext>
             </a:extLst>
           </p:cNvPr>
@@ -2809,7 +2809,7 @@
           <a:bodyPr/>
           <a:lstStyle/>
           <a:p>
-            <a:fld id="{4A3BFD6B-6BCF-4C2D-80E4-70AE432CB26E}" type="datetimeFigureOut">
+            <a:fld id="{781DED10-651F-4D6E-A21B-5313803B7B22}" type="datetimeFigureOut">
               <a:rPr lang="zh-CN" altLang="en-US" smtClean="0"/>
               <a:t>2024/3/10</a:t>
             </a:fld>
@@ -2822,7 +2822,7 @@
           <p:cNvPr id="6" name="页脚占位符 5">
             <a:extLst>
               <a:ext uri="{FF2B5EF4-FFF2-40B4-BE49-F238E27FC236}">
-                <a16:creationId xmlns:a16="http://schemas.microsoft.com/office/drawing/2014/main" id="{889A5C94-A040-FBD7-CA3B-DF4F57D3B678}"/>
+                <a16:creationId xmlns:a16="http://schemas.microsoft.com/office/drawing/2014/main" id="{C2794A1B-DC6D-327C-6164-D7D72AF1E163}"/>
               </a:ext>
             </a:extLst>
           </p:cNvPr>
@@ -2847,7 +2847,7 @@
           <p:cNvPr id="7" name="灯片编号占位符 6">
             <a:extLst>
               <a:ext uri="{FF2B5EF4-FFF2-40B4-BE49-F238E27FC236}">
-                <a16:creationId xmlns:a16="http://schemas.microsoft.com/office/drawing/2014/main" id="{64BDBDB9-318C-7EB7-A05D-F1A9B1760699}"/>
+                <a16:creationId xmlns:a16="http://schemas.microsoft.com/office/drawing/2014/main" id="{38D56BC7-A0D1-1C9F-D8FD-5FD2531F88B2}"/>
               </a:ext>
             </a:extLst>
           </p:cNvPr>
@@ -2863,7 +2863,7 @@
           <a:bodyPr/>
           <a:lstStyle/>
           <a:p>
-            <a:fld id="{25E797CC-1EAA-493B-98EC-D2463D2EF132}" type="slidenum">
+            <a:fld id="{08B5B79F-5A90-4189-9F7E-29331BC74B0C}" type="slidenum">
               <a:rPr lang="zh-CN" altLang="en-US" smtClean="0"/>
               <a:t>‹#›</a:t>
             </a:fld>
@@ -2874,7 +2874,7 @@
     </p:spTree>
     <p:extLst>
       <p:ext uri="{BB962C8B-B14F-4D97-AF65-F5344CB8AC3E}">
-        <p14:creationId xmlns:p14="http://schemas.microsoft.com/office/powerpoint/2010/main" val="2334838632"/>
+        <p14:creationId xmlns:p14="http://schemas.microsoft.com/office/powerpoint/2010/main" val="1074426140"/>
       </p:ext>
     </p:extLst>
   </p:cSld>
@@ -2906,7 +2906,7 @@
           <p:cNvPr id="2" name="标题 1">
             <a:extLst>
               <a:ext uri="{FF2B5EF4-FFF2-40B4-BE49-F238E27FC236}">
-                <a16:creationId xmlns:a16="http://schemas.microsoft.com/office/drawing/2014/main" id="{889CECE5-147A-6BCE-A940-7E564DFC842D}"/>
+                <a16:creationId xmlns:a16="http://schemas.microsoft.com/office/drawing/2014/main" id="{3009A989-583B-0363-6B9D-61BAEF27B4ED}"/>
               </a:ext>
             </a:extLst>
           </p:cNvPr>
@@ -2943,7 +2943,7 @@
           <p:cNvPr id="3" name="图片占位符 2">
             <a:extLst>
               <a:ext uri="{FF2B5EF4-FFF2-40B4-BE49-F238E27FC236}">
-                <a16:creationId xmlns:a16="http://schemas.microsoft.com/office/drawing/2014/main" id="{F03E0589-6508-B2DC-A90A-8ADB07A57DD0}"/>
+                <a16:creationId xmlns:a16="http://schemas.microsoft.com/office/drawing/2014/main" id="{A18E5369-3251-624A-D9CC-E194605B9797}"/>
               </a:ext>
             </a:extLst>
           </p:cNvPr>
@@ -3010,7 +3010,7 @@
           <p:cNvPr id="4" name="文本占位符 3">
             <a:extLst>
               <a:ext uri="{FF2B5EF4-FFF2-40B4-BE49-F238E27FC236}">
-                <a16:creationId xmlns:a16="http://schemas.microsoft.com/office/drawing/2014/main" id="{32DAAE86-F486-4FA7-D237-D9B7DA3C5415}"/>
+                <a16:creationId xmlns:a16="http://schemas.microsoft.com/office/drawing/2014/main" id="{3F145EFA-EF87-9E93-BB91-C0A10A195B51}"/>
               </a:ext>
             </a:extLst>
           </p:cNvPr>
@@ -3081,7 +3081,7 @@
           <p:cNvPr id="5" name="日期占位符 4">
             <a:extLst>
               <a:ext uri="{FF2B5EF4-FFF2-40B4-BE49-F238E27FC236}">
-                <a16:creationId xmlns:a16="http://schemas.microsoft.com/office/drawing/2014/main" id="{938C6651-5975-F6E9-722F-9BCC974D4A56}"/>
+                <a16:creationId xmlns:a16="http://schemas.microsoft.com/office/drawing/2014/main" id="{91022FD6-AA19-1491-19F9-30A3467C4A7D}"/>
               </a:ext>
             </a:extLst>
           </p:cNvPr>
@@ -3097,7 +3097,7 @@
           <a:bodyPr/>
           <a:lstStyle/>
           <a:p>
-            <a:fld id="{4A3BFD6B-6BCF-4C2D-80E4-70AE432CB26E}" type="datetimeFigureOut">
+            <a:fld id="{781DED10-651F-4D6E-A21B-5313803B7B22}" type="datetimeFigureOut">
               <a:rPr lang="zh-CN" altLang="en-US" smtClean="0"/>
               <a:t>2024/3/10</a:t>
             </a:fld>
@@ -3110,7 +3110,7 @@
           <p:cNvPr id="6" name="页脚占位符 5">
             <a:extLst>
               <a:ext uri="{FF2B5EF4-FFF2-40B4-BE49-F238E27FC236}">
-                <a16:creationId xmlns:a16="http://schemas.microsoft.com/office/drawing/2014/main" id="{756E05D0-B048-3281-5365-DA3294D6732B}"/>
+                <a16:creationId xmlns:a16="http://schemas.microsoft.com/office/drawing/2014/main" id="{719D3B5A-1E24-CC89-B790-488D730D547C}"/>
               </a:ext>
             </a:extLst>
           </p:cNvPr>
@@ -3135,7 +3135,7 @@
           <p:cNvPr id="7" name="灯片编号占位符 6">
             <a:extLst>
               <a:ext uri="{FF2B5EF4-FFF2-40B4-BE49-F238E27FC236}">
-                <a16:creationId xmlns:a16="http://schemas.microsoft.com/office/drawing/2014/main" id="{14F5BF82-C316-0E3C-58BD-688D8A50A8C0}"/>
+                <a16:creationId xmlns:a16="http://schemas.microsoft.com/office/drawing/2014/main" id="{CB9DE2B8-FB19-22A3-7B1E-F35E71315588}"/>
               </a:ext>
             </a:extLst>
           </p:cNvPr>
@@ -3151,7 +3151,7 @@
           <a:bodyPr/>
           <a:lstStyle/>
           <a:p>
-            <a:fld id="{25E797CC-1EAA-493B-98EC-D2463D2EF132}" type="slidenum">
+            <a:fld id="{08B5B79F-5A90-4189-9F7E-29331BC74B0C}" type="slidenum">
               <a:rPr lang="zh-CN" altLang="en-US" smtClean="0"/>
               <a:t>‹#›</a:t>
             </a:fld>
@@ -3162,7 +3162,7 @@
     </p:spTree>
     <p:extLst>
       <p:ext uri="{BB962C8B-B14F-4D97-AF65-F5344CB8AC3E}">
-        <p14:creationId xmlns:p14="http://schemas.microsoft.com/office/powerpoint/2010/main" val="241714537"/>
+        <p14:creationId xmlns:p14="http://schemas.microsoft.com/office/powerpoint/2010/main" val="3680945438"/>
       </p:ext>
     </p:extLst>
   </p:cSld>
@@ -3199,7 +3199,7 @@
           <p:cNvPr id="2" name="标题占位符 1">
             <a:extLst>
               <a:ext uri="{FF2B5EF4-FFF2-40B4-BE49-F238E27FC236}">
-                <a16:creationId xmlns:a16="http://schemas.microsoft.com/office/drawing/2014/main" id="{8FA44443-8163-43D3-6D9A-1DEBA8FBC68C}"/>
+                <a16:creationId xmlns:a16="http://schemas.microsoft.com/office/drawing/2014/main" id="{6EE189BF-D010-B372-C590-26B48C8F3D76}"/>
               </a:ext>
             </a:extLst>
           </p:cNvPr>
@@ -3237,7 +3237,7 @@
           <p:cNvPr id="3" name="文本占位符 2">
             <a:extLst>
               <a:ext uri="{FF2B5EF4-FFF2-40B4-BE49-F238E27FC236}">
-                <a16:creationId xmlns:a16="http://schemas.microsoft.com/office/drawing/2014/main" id="{7F2BD34D-A2CC-ABDD-1305-E8916403066F}"/>
+                <a16:creationId xmlns:a16="http://schemas.microsoft.com/office/drawing/2014/main" id="{A2F0C9E0-F233-FF8F-5590-60F14B8635BB}"/>
               </a:ext>
             </a:extLst>
           </p:cNvPr>
@@ -3304,7 +3304,7 @@
           <p:cNvPr id="4" name="日期占位符 3">
             <a:extLst>
               <a:ext uri="{FF2B5EF4-FFF2-40B4-BE49-F238E27FC236}">
-                <a16:creationId xmlns:a16="http://schemas.microsoft.com/office/drawing/2014/main" id="{80B5867E-27F5-0CA2-4412-29A5FE5FF959}"/>
+                <a16:creationId xmlns:a16="http://schemas.microsoft.com/office/drawing/2014/main" id="{C057A354-92BD-04B9-CCA5-FC94E1EFC0B2}"/>
               </a:ext>
             </a:extLst>
           </p:cNvPr>
@@ -3338,7 +3338,7 @@
             </a:lvl1pPr>
           </a:lstStyle>
           <a:p>
-            <a:fld id="{4A3BFD6B-6BCF-4C2D-80E4-70AE432CB26E}" type="datetimeFigureOut">
+            <a:fld id="{781DED10-651F-4D6E-A21B-5313803B7B22}" type="datetimeFigureOut">
               <a:rPr lang="zh-CN" altLang="en-US" smtClean="0"/>
               <a:t>2024/3/10</a:t>
             </a:fld>
@@ -3351,7 +3351,7 @@
           <p:cNvPr id="5" name="页脚占位符 4">
             <a:extLst>
               <a:ext uri="{FF2B5EF4-FFF2-40B4-BE49-F238E27FC236}">
-                <a16:creationId xmlns:a16="http://schemas.microsoft.com/office/drawing/2014/main" id="{FAB03ECE-778B-5D21-EA37-3CEC33D019C7}"/>
+                <a16:creationId xmlns:a16="http://schemas.microsoft.com/office/drawing/2014/main" id="{6811D53E-13CB-1D1F-0F6E-25273D65EA57}"/>
               </a:ext>
             </a:extLst>
           </p:cNvPr>
@@ -3394,7 +3394,7 @@
           <p:cNvPr id="6" name="灯片编号占位符 5">
             <a:extLst>
               <a:ext uri="{FF2B5EF4-FFF2-40B4-BE49-F238E27FC236}">
-                <a16:creationId xmlns:a16="http://schemas.microsoft.com/office/drawing/2014/main" id="{500E285F-1123-D984-2E52-A4B595205506}"/>
+                <a16:creationId xmlns:a16="http://schemas.microsoft.com/office/drawing/2014/main" id="{E4A547D0-1DF5-0CC3-2713-CABF697C634D}"/>
               </a:ext>
             </a:extLst>
           </p:cNvPr>
@@ -3428,7 +3428,7 @@
             </a:lvl1pPr>
           </a:lstStyle>
           <a:p>
-            <a:fld id="{25E797CC-1EAA-493B-98EC-D2463D2EF132}" type="slidenum">
+            <a:fld id="{08B5B79F-5A90-4189-9F7E-29331BC74B0C}" type="slidenum">
               <a:rPr lang="zh-CN" altLang="en-US" smtClean="0"/>
               <a:t>‹#›</a:t>
             </a:fld>
@@ -3439,7 +3439,7 @@
     </p:spTree>
     <p:extLst>
       <p:ext uri="{BB962C8B-B14F-4D97-AF65-F5344CB8AC3E}">
-        <p14:creationId xmlns:p14="http://schemas.microsoft.com/office/powerpoint/2010/main" val="3178879384"/>
+        <p14:creationId xmlns:p14="http://schemas.microsoft.com/office/powerpoint/2010/main" val="2808474683"/>
       </p:ext>
     </p:extLst>
   </p:cSld>
